--- a/Kursach_DB/otchet LaTeX/финалочка/Prezentacia_Nechitaylo_IU7-66B (1).pptx
+++ b/Kursach_DB/otchet LaTeX/финалочка/Prezentacia_Nechitaylo_IU7-66B (1).pptx
@@ -10,7 +10,7 @@
   <p:sldIdLst>
     <p:sldId id="256" r:id="rId2"/>
     <p:sldId id="257" r:id="rId3"/>
-    <p:sldId id="258" r:id="rId4"/>
+    <p:sldId id="271" r:id="rId4"/>
     <p:sldId id="263" r:id="rId5"/>
     <p:sldId id="261" r:id="rId6"/>
     <p:sldId id="262" r:id="rId7"/>
@@ -304,15 +304,6 @@
 
 <file path=ppt/comments/comment3.xml><?xml version="1.0" encoding="utf-8"?>
 <p:cmLst xmlns:a="http://schemas.openxmlformats.org/drawingml/2006/main" xmlns:r="http://schemas.openxmlformats.org/officeDocument/2006/relationships" xmlns:p="http://schemas.openxmlformats.org/presentationml/2006/main">
-  <p:cm authorId="0" dt="2021-09-26T23:54:16.279" idx="5">
-    <p:pos x="864" y="432"/>
-    <p:text>Вообще-то тут (можно на паре слайдов) надо кратко рассказать (со схемами и рисунками) о работе, проделанной в Аналитическом разделе</p:text>
-  </p:cm>
-</p:cmLst>
-</file>
-
-<file path=ppt/comments/comment4.xml><?xml version="1.0" encoding="utf-8"?>
-<p:cmLst xmlns:a="http://schemas.openxmlformats.org/drawingml/2006/main" xmlns:r="http://schemas.openxmlformats.org/officeDocument/2006/relationships" xmlns:p="http://schemas.openxmlformats.org/presentationml/2006/main">
   <p:cm authorId="0" dt="2021-09-26T23:57:41.123" idx="9">
     <p:pos x="1232" y="823"/>
     <p:text>Шрифт, русский язык и не забудьте перенести выше, туда, где Вы рассказываете ещё только об Анализе предметной области</p:text>
@@ -320,7 +311,7 @@
 </p:cmLst>
 </file>
 
-<file path=ppt/comments/comment5.xml><?xml version="1.0" encoding="utf-8"?>
+<file path=ppt/comments/comment4.xml><?xml version="1.0" encoding="utf-8"?>
 <p:cmLst xmlns:a="http://schemas.openxmlformats.org/drawingml/2006/main" xmlns:r="http://schemas.openxmlformats.org/officeDocument/2006/relationships" xmlns:p="http://schemas.openxmlformats.org/presentationml/2006/main">
   <p:cm authorId="0" dt="2021-09-26T23:56:27.275" idx="7">
     <p:pos x="2922" y="60"/>
@@ -333,7 +324,7 @@
 </p:cmLst>
 </file>
 
-<file path=ppt/comments/comment6.xml><?xml version="1.0" encoding="utf-8"?>
+<file path=ppt/comments/comment5.xml><?xml version="1.0" encoding="utf-8"?>
 <p:cmLst xmlns:a="http://schemas.openxmlformats.org/drawingml/2006/main" xmlns:r="http://schemas.openxmlformats.org/officeDocument/2006/relationships" xmlns:p="http://schemas.openxmlformats.org/presentationml/2006/main">
   <p:cm authorId="0" dt="2021-09-27T00:00:50.367" idx="12">
     <p:pos x="864" y="1384"/>
@@ -342,7 +333,7 @@
 </p:cmLst>
 </file>
 
-<file path=ppt/comments/comment7.xml><?xml version="1.0" encoding="utf-8"?>
+<file path=ppt/comments/comment6.xml><?xml version="1.0" encoding="utf-8"?>
 <p:cmLst xmlns:a="http://schemas.openxmlformats.org/drawingml/2006/main" xmlns:r="http://schemas.openxmlformats.org/officeDocument/2006/relationships" xmlns:p="http://schemas.openxmlformats.org/presentationml/2006/main">
   <p:cm authorId="0" dt="2021-09-27T00:01:09.350" idx="11">
     <p:pos x="864" y="432"/>
@@ -901,110 +892,6 @@
   <p:cSld>
     <p:spTree>
       <p:nvGrpSpPr>
-        <p:cNvPr id="1" name="Shape 158"/>
-        <p:cNvGrpSpPr/>
-        <p:nvPr/>
-      </p:nvGrpSpPr>
-      <p:grpSpPr>
-        <a:xfrm>
-          <a:off x="0" y="0"/>
-          <a:ext cx="0" cy="0"/>
-          <a:chOff x="0" y="0"/>
-          <a:chExt cx="0" cy="0"/>
-        </a:xfrm>
-      </p:grpSpPr>
-      <p:sp>
-        <p:nvSpPr>
-          <p:cNvPr id="159" name="Google Shape;159;p11:notes"/>
-          <p:cNvSpPr txBox="1">
-            <a:spLocks noGrp="1"/>
-          </p:cNvSpPr>
-          <p:nvPr>
-            <p:ph type="body" idx="1"/>
-          </p:nvPr>
-        </p:nvSpPr>
-        <p:spPr>
-          <a:xfrm>
-            <a:off x="685800" y="4343400"/>
-            <a:ext cx="5486400" cy="4114800"/>
-          </a:xfrm>
-          <a:prstGeom prst="rect">
-            <a:avLst/>
-          </a:prstGeom>
-        </p:spPr>
-        <p:txBody>
-          <a:bodyPr spcFirstLastPara="1" wrap="square" lIns="91425" tIns="91425" rIns="91425" bIns="91425" anchor="t" anchorCtr="0">
-            <a:noAutofit/>
-          </a:bodyPr>
-          <a:lstStyle/>
-          <a:p>
-            <a:pPr marL="0" lvl="0" indent="0" algn="l" rtl="0">
-              <a:spcBef>
-                <a:spcPts val="0"/>
-              </a:spcBef>
-              <a:spcAft>
-                <a:spcPts val="0"/>
-              </a:spcAft>
-              <a:buNone/>
-            </a:pPr>
-            <a:endParaRPr/>
-          </a:p>
-        </p:txBody>
-      </p:sp>
-      <p:sp>
-        <p:nvSpPr>
-          <p:cNvPr id="160" name="Google Shape;160;p11:notes"/>
-          <p:cNvSpPr>
-            <a:spLocks noGrp="1" noRot="1" noChangeAspect="1"/>
-          </p:cNvSpPr>
-          <p:nvPr>
-            <p:ph type="sldImg" idx="2"/>
-          </p:nvPr>
-        </p:nvSpPr>
-        <p:spPr>
-          <a:xfrm>
-            <a:off x="381000" y="685800"/>
-            <a:ext cx="6096000" cy="3429000"/>
-          </a:xfrm>
-          <a:custGeom>
-            <a:avLst/>
-            <a:gdLst/>
-            <a:ahLst/>
-            <a:cxnLst/>
-            <a:rect l="l" t="t" r="r" b="b"/>
-            <a:pathLst>
-              <a:path w="120000" h="120000" extrusionOk="0">
-                <a:moveTo>
-                  <a:pt x="0" y="0"/>
-                </a:moveTo>
-                <a:lnTo>
-                  <a:pt x="120000" y="0"/>
-                </a:lnTo>
-                <a:lnTo>
-                  <a:pt x="120000" y="120000"/>
-                </a:lnTo>
-                <a:lnTo>
-                  <a:pt x="0" y="120000"/>
-                </a:lnTo>
-                <a:close/>
-              </a:path>
-            </a:pathLst>
-          </a:custGeom>
-        </p:spPr>
-      </p:sp>
-    </p:spTree>
-  </p:cSld>
-  <p:clrMapOvr>
-    <a:masterClrMapping/>
-  </p:clrMapOvr>
-</p:notes>
-</file>
-
-<file path=ppt/notesSlides/notesSlide11.xml><?xml version="1.0" encoding="utf-8"?>
-<p:notes xmlns:a="http://schemas.openxmlformats.org/drawingml/2006/main" xmlns:r="http://schemas.openxmlformats.org/officeDocument/2006/relationships" xmlns:p="http://schemas.openxmlformats.org/presentationml/2006/main" showMasterSp="0" showMasterPhAnim="0">
-  <p:cSld>
-    <p:spTree>
-      <p:nvGrpSpPr>
         <p:cNvPr id="1" name="Shape 165"/>
         <p:cNvGrpSpPr/>
         <p:nvPr/>
@@ -1104,7 +991,7 @@
 </p:notes>
 </file>
 
-<file path=ppt/notesSlides/notesSlide12.xml><?xml version="1.0" encoding="utf-8"?>
+<file path=ppt/notesSlides/notesSlide11.xml><?xml version="1.0" encoding="utf-8"?>
 <p:notes xmlns:a="http://schemas.openxmlformats.org/drawingml/2006/main" xmlns:r="http://schemas.openxmlformats.org/officeDocument/2006/relationships" xmlns:p="http://schemas.openxmlformats.org/presentationml/2006/main" showMasterSp="0" showMasterPhAnim="0">
   <p:cSld>
     <p:spTree>
@@ -1208,7 +1095,7 @@
 </p:notes>
 </file>
 
-<file path=ppt/notesSlides/notesSlide13.xml><?xml version="1.0" encoding="utf-8"?>
+<file path=ppt/notesSlides/notesSlide12.xml><?xml version="1.0" encoding="utf-8"?>
 <p:notes xmlns:a="http://schemas.openxmlformats.org/drawingml/2006/main" xmlns:r="http://schemas.openxmlformats.org/officeDocument/2006/relationships" xmlns:p="http://schemas.openxmlformats.org/presentationml/2006/main" showMasterSp="0" showMasterPhAnim="0">
   <p:cSld>
     <p:spTree>
@@ -1421,110 +1308,6 @@
   <p:cSld>
     <p:spTree>
       <p:nvGrpSpPr>
-        <p:cNvPr id="1" name="Shape 105"/>
-        <p:cNvGrpSpPr/>
-        <p:nvPr/>
-      </p:nvGrpSpPr>
-      <p:grpSpPr>
-        <a:xfrm>
-          <a:off x="0" y="0"/>
-          <a:ext cx="0" cy="0"/>
-          <a:chOff x="0" y="0"/>
-          <a:chExt cx="0" cy="0"/>
-        </a:xfrm>
-      </p:grpSpPr>
-      <p:sp>
-        <p:nvSpPr>
-          <p:cNvPr id="106" name="Google Shape;106;p3:notes"/>
-          <p:cNvSpPr txBox="1">
-            <a:spLocks noGrp="1"/>
-          </p:cNvSpPr>
-          <p:nvPr>
-            <p:ph type="body" idx="1"/>
-          </p:nvPr>
-        </p:nvSpPr>
-        <p:spPr>
-          <a:xfrm>
-            <a:off x="685800" y="4343400"/>
-            <a:ext cx="5486400" cy="4114800"/>
-          </a:xfrm>
-          <a:prstGeom prst="rect">
-            <a:avLst/>
-          </a:prstGeom>
-        </p:spPr>
-        <p:txBody>
-          <a:bodyPr spcFirstLastPara="1" wrap="square" lIns="91425" tIns="91425" rIns="91425" bIns="91425" anchor="t" anchorCtr="0">
-            <a:noAutofit/>
-          </a:bodyPr>
-          <a:lstStyle/>
-          <a:p>
-            <a:pPr marL="0" lvl="0" indent="0" algn="l" rtl="0">
-              <a:spcBef>
-                <a:spcPts val="0"/>
-              </a:spcBef>
-              <a:spcAft>
-                <a:spcPts val="0"/>
-              </a:spcAft>
-              <a:buNone/>
-            </a:pPr>
-            <a:endParaRPr/>
-          </a:p>
-        </p:txBody>
-      </p:sp>
-      <p:sp>
-        <p:nvSpPr>
-          <p:cNvPr id="107" name="Google Shape;107;p3:notes"/>
-          <p:cNvSpPr>
-            <a:spLocks noGrp="1" noRot="1" noChangeAspect="1"/>
-          </p:cNvSpPr>
-          <p:nvPr>
-            <p:ph type="sldImg" idx="2"/>
-          </p:nvPr>
-        </p:nvSpPr>
-        <p:spPr>
-          <a:xfrm>
-            <a:off x="381000" y="685800"/>
-            <a:ext cx="6096000" cy="3429000"/>
-          </a:xfrm>
-          <a:custGeom>
-            <a:avLst/>
-            <a:gdLst/>
-            <a:ahLst/>
-            <a:cxnLst/>
-            <a:rect l="l" t="t" r="r" b="b"/>
-            <a:pathLst>
-              <a:path w="120000" h="120000" extrusionOk="0">
-                <a:moveTo>
-                  <a:pt x="0" y="0"/>
-                </a:moveTo>
-                <a:lnTo>
-                  <a:pt x="120000" y="0"/>
-                </a:lnTo>
-                <a:lnTo>
-                  <a:pt x="120000" y="120000"/>
-                </a:lnTo>
-                <a:lnTo>
-                  <a:pt x="0" y="120000"/>
-                </a:lnTo>
-                <a:close/>
-              </a:path>
-            </a:pathLst>
-          </a:custGeom>
-        </p:spPr>
-      </p:sp>
-    </p:spTree>
-  </p:cSld>
-  <p:clrMapOvr>
-    <a:masterClrMapping/>
-  </p:clrMapOvr>
-</p:notes>
-</file>
-
-<file path=ppt/notesSlides/notesSlide4.xml><?xml version="1.0" encoding="utf-8"?>
-<p:notes xmlns:a="http://schemas.openxmlformats.org/drawingml/2006/main" xmlns:r="http://schemas.openxmlformats.org/officeDocument/2006/relationships" xmlns:p="http://schemas.openxmlformats.org/presentationml/2006/main" showMasterSp="0" showMasterPhAnim="0">
-  <p:cSld>
-    <p:spTree>
-      <p:nvGrpSpPr>
         <p:cNvPr id="1" name="Shape 137"/>
         <p:cNvGrpSpPr/>
         <p:nvPr/>
@@ -1624,7 +1407,7 @@
 </p:notes>
 </file>
 
-<file path=ppt/notesSlides/notesSlide5.xml><?xml version="1.0" encoding="utf-8"?>
+<file path=ppt/notesSlides/notesSlide4.xml><?xml version="1.0" encoding="utf-8"?>
 <p:notes xmlns:a="http://schemas.openxmlformats.org/drawingml/2006/main" xmlns:r="http://schemas.openxmlformats.org/officeDocument/2006/relationships" xmlns:p="http://schemas.openxmlformats.org/presentationml/2006/main" showMasterSp="0" showMasterPhAnim="0">
   <p:cSld>
     <p:spTree>
@@ -1728,7 +1511,7 @@
 </p:notes>
 </file>
 
-<file path=ppt/notesSlides/notesSlide6.xml><?xml version="1.0" encoding="utf-8"?>
+<file path=ppt/notesSlides/notesSlide5.xml><?xml version="1.0" encoding="utf-8"?>
 <p:notes xmlns:a="http://schemas.openxmlformats.org/drawingml/2006/main" xmlns:r="http://schemas.openxmlformats.org/officeDocument/2006/relationships" xmlns:p="http://schemas.openxmlformats.org/presentationml/2006/main" showMasterSp="0" showMasterPhAnim="0">
   <p:cSld>
     <p:spTree>
@@ -1832,7 +1615,7 @@
 </p:notes>
 </file>
 
-<file path=ppt/notesSlides/notesSlide7.xml><?xml version="1.0" encoding="utf-8"?>
+<file path=ppt/notesSlides/notesSlide6.xml><?xml version="1.0" encoding="utf-8"?>
 <p:notes xmlns:a="http://schemas.openxmlformats.org/drawingml/2006/main" xmlns:r="http://schemas.openxmlformats.org/officeDocument/2006/relationships" xmlns:p="http://schemas.openxmlformats.org/presentationml/2006/main" showMasterSp="0" showMasterPhAnim="0">
   <p:cSld>
     <p:spTree>
@@ -1936,7 +1719,7 @@
 </p:notes>
 </file>
 
-<file path=ppt/notesSlides/notesSlide8.xml><?xml version="1.0" encoding="utf-8"?>
+<file path=ppt/notesSlides/notesSlide7.xml><?xml version="1.0" encoding="utf-8"?>
 <p:notes xmlns:a="http://schemas.openxmlformats.org/drawingml/2006/main" xmlns:r="http://schemas.openxmlformats.org/officeDocument/2006/relationships" xmlns:p="http://schemas.openxmlformats.org/presentationml/2006/main" showMasterSp="0" showMasterPhAnim="0">
   <p:cSld>
     <p:spTree>
@@ -2040,7 +1823,7 @@
 </p:notes>
 </file>
 
-<file path=ppt/notesSlides/notesSlide9.xml><?xml version="1.0" encoding="utf-8"?>
+<file path=ppt/notesSlides/notesSlide8.xml><?xml version="1.0" encoding="utf-8"?>
 <p:notes xmlns:a="http://schemas.openxmlformats.org/drawingml/2006/main" xmlns:r="http://schemas.openxmlformats.org/officeDocument/2006/relationships" xmlns:p="http://schemas.openxmlformats.org/presentationml/2006/main" showMasterSp="0" showMasterPhAnim="0">
   <p:cSld>
     <p:spTree>
@@ -2098,6 +1881,110 @@
       <p:sp>
         <p:nvSpPr>
           <p:cNvPr id="153" name="Google Shape;153;p10:notes"/>
+          <p:cNvSpPr>
+            <a:spLocks noGrp="1" noRot="1" noChangeAspect="1"/>
+          </p:cNvSpPr>
+          <p:nvPr>
+            <p:ph type="sldImg" idx="2"/>
+          </p:nvPr>
+        </p:nvSpPr>
+        <p:spPr>
+          <a:xfrm>
+            <a:off x="381000" y="685800"/>
+            <a:ext cx="6096000" cy="3429000"/>
+          </a:xfrm>
+          <a:custGeom>
+            <a:avLst/>
+            <a:gdLst/>
+            <a:ahLst/>
+            <a:cxnLst/>
+            <a:rect l="l" t="t" r="r" b="b"/>
+            <a:pathLst>
+              <a:path w="120000" h="120000" extrusionOk="0">
+                <a:moveTo>
+                  <a:pt x="0" y="0"/>
+                </a:moveTo>
+                <a:lnTo>
+                  <a:pt x="120000" y="0"/>
+                </a:lnTo>
+                <a:lnTo>
+                  <a:pt x="120000" y="120000"/>
+                </a:lnTo>
+                <a:lnTo>
+                  <a:pt x="0" y="120000"/>
+                </a:lnTo>
+                <a:close/>
+              </a:path>
+            </a:pathLst>
+          </a:custGeom>
+        </p:spPr>
+      </p:sp>
+    </p:spTree>
+  </p:cSld>
+  <p:clrMapOvr>
+    <a:masterClrMapping/>
+  </p:clrMapOvr>
+</p:notes>
+</file>
+
+<file path=ppt/notesSlides/notesSlide9.xml><?xml version="1.0" encoding="utf-8"?>
+<p:notes xmlns:a="http://schemas.openxmlformats.org/drawingml/2006/main" xmlns:r="http://schemas.openxmlformats.org/officeDocument/2006/relationships" xmlns:p="http://schemas.openxmlformats.org/presentationml/2006/main" showMasterSp="0" showMasterPhAnim="0">
+  <p:cSld>
+    <p:spTree>
+      <p:nvGrpSpPr>
+        <p:cNvPr id="1" name="Shape 158"/>
+        <p:cNvGrpSpPr/>
+        <p:nvPr/>
+      </p:nvGrpSpPr>
+      <p:grpSpPr>
+        <a:xfrm>
+          <a:off x="0" y="0"/>
+          <a:ext cx="0" cy="0"/>
+          <a:chOff x="0" y="0"/>
+          <a:chExt cx="0" cy="0"/>
+        </a:xfrm>
+      </p:grpSpPr>
+      <p:sp>
+        <p:nvSpPr>
+          <p:cNvPr id="159" name="Google Shape;159;p11:notes"/>
+          <p:cNvSpPr txBox="1">
+            <a:spLocks noGrp="1"/>
+          </p:cNvSpPr>
+          <p:nvPr>
+            <p:ph type="body" idx="1"/>
+          </p:nvPr>
+        </p:nvSpPr>
+        <p:spPr>
+          <a:xfrm>
+            <a:off x="685800" y="4343400"/>
+            <a:ext cx="5486400" cy="4114800"/>
+          </a:xfrm>
+          <a:prstGeom prst="rect">
+            <a:avLst/>
+          </a:prstGeom>
+        </p:spPr>
+        <p:txBody>
+          <a:bodyPr spcFirstLastPara="1" wrap="square" lIns="91425" tIns="91425" rIns="91425" bIns="91425" anchor="t" anchorCtr="0">
+            <a:noAutofit/>
+          </a:bodyPr>
+          <a:lstStyle/>
+          <a:p>
+            <a:pPr marL="0" lvl="0" indent="0" algn="l" rtl="0">
+              <a:spcBef>
+                <a:spcPts val="0"/>
+              </a:spcBef>
+              <a:spcAft>
+                <a:spcPts val="0"/>
+              </a:spcAft>
+              <a:buNone/>
+            </a:pPr>
+            <a:endParaRPr/>
+          </a:p>
+        </p:txBody>
+      </p:sp>
+      <p:sp>
+        <p:nvSpPr>
+          <p:cNvPr id="160" name="Google Shape;160;p11:notes"/>
           <p:cNvSpPr>
             <a:spLocks noGrp="1" noRot="1" noChangeAspect="1"/>
           </p:cNvSpPr>
@@ -13316,7 +13203,7 @@
               <a:buNone/>
             </a:pPr>
             <a:r>
-              <a:rPr lang="ru-RU" sz="3600">
+              <a:rPr lang="ru-RU" sz="3600" dirty="0">
                 <a:latin typeface="Times New Roman"/>
                 <a:ea typeface="Times New Roman"/>
                 <a:cs typeface="Times New Roman"/>
@@ -13324,7 +13211,7 @@
               </a:rPr>
               <a:t>СОЗДАНИЕ ИНТЕРНЕТ-МАГАЗИНА ДЛЯ ТОРГОВЛИ ДОМАШНИМИ ЖИВОТНЫМИ</a:t>
             </a:r>
-            <a:endParaRPr/>
+            <a:endParaRPr dirty="0"/>
           </a:p>
         </p:txBody>
       </p:sp>
@@ -14846,8 +14733,8 @@
         </p:nvSpPr>
         <p:spPr>
           <a:xfrm>
-            <a:off x="1371600" y="2286000"/>
-            <a:ext cx="9601200" cy="3581400"/>
+            <a:off x="1371600" y="1428750"/>
+            <a:ext cx="9601200" cy="4705866"/>
           </a:xfrm>
           <a:prstGeom prst="rect">
             <a:avLst/>
@@ -14859,13 +14746,13 @@
         </p:spPr>
         <p:txBody>
           <a:bodyPr spcFirstLastPara="1" wrap="square" lIns="91425" tIns="45700" rIns="91425" bIns="45700" anchor="t" anchorCtr="0">
-            <a:normAutofit/>
+            <a:noAutofit/>
           </a:bodyPr>
           <a:lstStyle/>
           <a:p>
             <a:pPr marL="0" lvl="0" indent="0" algn="l" rtl="0">
               <a:lnSpc>
-                <a:spcPct val="94000"/>
+                <a:spcPct val="170000"/>
               </a:lnSpc>
               <a:spcBef>
                 <a:spcPts val="0"/>
@@ -14881,13 +14768,257 @@
             </a:pPr>
             <a:r>
               <a:rPr lang="ru-RU" b="1" dirty="0">
-                <a:latin typeface="Times New Roman"/>
+                <a:latin typeface="Times New Roman" panose="02020603050405020304" pitchFamily="18" charset="0"/>
                 <a:ea typeface="Times New Roman"/>
-                <a:cs typeface="Times New Roman"/>
+                <a:cs typeface="Times New Roman" panose="02020603050405020304" pitchFamily="18" charset="0"/>
                 <a:sym typeface="Times New Roman"/>
               </a:rPr>
               <a:t>Цель проекта:  </a:t>
             </a:r>
+            <a:r>
+              <a:rPr lang="ru-RU" dirty="0">
+                <a:latin typeface="Times New Roman" panose="02020603050405020304" pitchFamily="18" charset="0"/>
+                <a:ea typeface="Times New Roman"/>
+                <a:cs typeface="Times New Roman" panose="02020603050405020304" pitchFamily="18" charset="0"/>
+                <a:sym typeface="Times New Roman"/>
+              </a:rPr>
+              <a:t>разработать веб-приложение для продажи домашних животных.</a:t>
+            </a:r>
+          </a:p>
+          <a:p>
+            <a:pPr marL="0" lvl="0" indent="0" algn="l" rtl="0">
+              <a:lnSpc>
+                <a:spcPct val="170000"/>
+              </a:lnSpc>
+              <a:spcBef>
+                <a:spcPts val="0"/>
+              </a:spcBef>
+              <a:spcAft>
+                <a:spcPts val="0"/>
+              </a:spcAft>
+              <a:buClr>
+                <a:schemeClr val="dk2"/>
+              </a:buClr>
+              <a:buSzPts val="2000"/>
+              <a:buNone/>
+            </a:pPr>
+            <a:r>
+              <a:rPr lang="ru-RU" b="1" dirty="0">
+                <a:latin typeface="Times New Roman" panose="02020603050405020304" pitchFamily="18" charset="0"/>
+                <a:ea typeface="Times New Roman"/>
+                <a:cs typeface="Times New Roman" panose="02020603050405020304" pitchFamily="18" charset="0"/>
+                <a:sym typeface="Times New Roman"/>
+              </a:rPr>
+              <a:t>Задачи проекта:</a:t>
+            </a:r>
+          </a:p>
+          <a:p>
+            <a:pPr marL="384048" lvl="0" indent="-384048" algn="l" rtl="0">
+              <a:lnSpc>
+                <a:spcPct val="170000"/>
+              </a:lnSpc>
+              <a:spcBef>
+                <a:spcPts val="0"/>
+              </a:spcBef>
+              <a:spcAft>
+                <a:spcPts val="0"/>
+              </a:spcAft>
+              <a:buClr>
+                <a:schemeClr val="dk1"/>
+              </a:buClr>
+              <a:buSzPts val="2000"/>
+              <a:buChar char="■"/>
+            </a:pPr>
+            <a:r>
+              <a:rPr lang="ru-RU" dirty="0">
+                <a:latin typeface="Times New Roman" panose="02020603050405020304" pitchFamily="18" charset="0"/>
+                <a:ea typeface="Times New Roman"/>
+                <a:cs typeface="Times New Roman" panose="02020603050405020304" pitchFamily="18" charset="0"/>
+                <a:sym typeface="Times New Roman"/>
+              </a:rPr>
+              <a:t> </a:t>
+            </a:r>
+            <a:r>
+              <a:rPr lang="ru-RU" dirty="0">
+                <a:solidFill>
+                  <a:schemeClr val="dk1"/>
+                </a:solidFill>
+                <a:latin typeface="Times New Roman" panose="02020603050405020304" pitchFamily="18" charset="0"/>
+                <a:ea typeface="Times New Roman"/>
+                <a:cs typeface="Times New Roman" panose="02020603050405020304" pitchFamily="18" charset="0"/>
+                <a:sym typeface="Times New Roman"/>
+              </a:rPr>
+              <a:t>провести анализ существующих интернет-магазинов;</a:t>
+            </a:r>
+            <a:endParaRPr lang="ru-RU" dirty="0">
+              <a:latin typeface="Times New Roman" panose="02020603050405020304" pitchFamily="18" charset="0"/>
+              <a:cs typeface="Times New Roman" panose="02020603050405020304" pitchFamily="18" charset="0"/>
+            </a:endParaRPr>
+          </a:p>
+          <a:p>
+            <a:pPr marL="384048" lvl="0" indent="-384048" algn="l" rtl="0">
+              <a:lnSpc>
+                <a:spcPct val="170000"/>
+              </a:lnSpc>
+              <a:spcBef>
+                <a:spcPts val="1200"/>
+              </a:spcBef>
+              <a:spcAft>
+                <a:spcPts val="0"/>
+              </a:spcAft>
+              <a:buClr>
+                <a:schemeClr val="dk1"/>
+              </a:buClr>
+              <a:buSzPts val="2000"/>
+              <a:buChar char="■"/>
+            </a:pPr>
+            <a:r>
+              <a:rPr lang="ru-RU" dirty="0">
+                <a:solidFill>
+                  <a:schemeClr val="dk1"/>
+                </a:solidFill>
+                <a:latin typeface="Times New Roman" panose="02020603050405020304" pitchFamily="18" charset="0"/>
+                <a:ea typeface="Times New Roman"/>
+                <a:cs typeface="Times New Roman" panose="02020603050405020304" pitchFamily="18" charset="0"/>
+                <a:sym typeface="Times New Roman"/>
+              </a:rPr>
+              <a:t>провести анализ типов БД  с их преимуществами и недостатками;</a:t>
+            </a:r>
+          </a:p>
+          <a:p>
+            <a:pPr marL="384048" lvl="0" indent="-384048" algn="l" rtl="0">
+              <a:lnSpc>
+                <a:spcPct val="170000"/>
+              </a:lnSpc>
+              <a:spcBef>
+                <a:spcPts val="1200"/>
+              </a:spcBef>
+              <a:spcAft>
+                <a:spcPts val="0"/>
+              </a:spcAft>
+              <a:buClr>
+                <a:schemeClr val="dk1"/>
+              </a:buClr>
+              <a:buSzPts val="2000"/>
+              <a:buChar char="■"/>
+            </a:pPr>
+            <a:r>
+              <a:rPr lang="ru-RU" dirty="0">
+                <a:solidFill>
+                  <a:schemeClr val="dk1"/>
+                </a:solidFill>
+                <a:latin typeface="Times New Roman" panose="02020603050405020304" pitchFamily="18" charset="0"/>
+                <a:ea typeface="Times New Roman"/>
+                <a:cs typeface="Times New Roman" panose="02020603050405020304" pitchFamily="18" charset="0"/>
+                <a:sym typeface="Times New Roman"/>
+              </a:rPr>
+              <a:t>провести</a:t>
+            </a:r>
+            <a:r>
+              <a:rPr lang="ru-RU" dirty="0">
+                <a:solidFill>
+                  <a:schemeClr val="dk1"/>
+                </a:solidFill>
+                <a:latin typeface="Times New Roman" panose="02020603050405020304" pitchFamily="18" charset="0"/>
+                <a:cs typeface="Times New Roman" panose="02020603050405020304" pitchFamily="18" charset="0"/>
+                <a:sym typeface="Times New Roman"/>
+              </a:rPr>
+              <a:t> анализ СУБД, также с учетом их плюсов и минусов;</a:t>
+            </a:r>
+          </a:p>
+          <a:p>
+            <a:pPr marL="384048" lvl="0" indent="-384048" algn="l" rtl="0">
+              <a:lnSpc>
+                <a:spcPct val="170000"/>
+              </a:lnSpc>
+              <a:spcBef>
+                <a:spcPts val="1200"/>
+              </a:spcBef>
+              <a:spcAft>
+                <a:spcPts val="0"/>
+              </a:spcAft>
+              <a:buClr>
+                <a:schemeClr val="dk1"/>
+              </a:buClr>
+              <a:buSzPts val="2000"/>
+              <a:buChar char="■"/>
+            </a:pPr>
+            <a:r>
+              <a:rPr lang="ru-RU" dirty="0">
+                <a:solidFill>
+                  <a:schemeClr val="dk1"/>
+                </a:solidFill>
+                <a:latin typeface="Times New Roman" panose="02020603050405020304" pitchFamily="18" charset="0"/>
+                <a:cs typeface="Times New Roman" panose="02020603050405020304" pitchFamily="18" charset="0"/>
+                <a:sym typeface="Times New Roman"/>
+              </a:rPr>
+              <a:t>построить ER диаграммы предметной области;</a:t>
+            </a:r>
+          </a:p>
+          <a:p>
+            <a:pPr marL="384048" lvl="0" indent="-384048" algn="l" rtl="0">
+              <a:lnSpc>
+                <a:spcPct val="170000"/>
+              </a:lnSpc>
+              <a:spcBef>
+                <a:spcPts val="1200"/>
+              </a:spcBef>
+              <a:spcAft>
+                <a:spcPts val="0"/>
+              </a:spcAft>
+              <a:buClr>
+                <a:schemeClr val="dk1"/>
+              </a:buClr>
+              <a:buSzPts val="2000"/>
+              <a:buChar char="■"/>
+            </a:pPr>
+            <a:r>
+              <a:rPr lang="ru-RU" dirty="0">
+                <a:solidFill>
+                  <a:schemeClr val="dk1"/>
+                </a:solidFill>
+                <a:latin typeface="Times New Roman" panose="02020603050405020304" pitchFamily="18" charset="0"/>
+                <a:cs typeface="Times New Roman" panose="02020603050405020304" pitchFamily="18" charset="0"/>
+                <a:sym typeface="Times New Roman"/>
+              </a:rPr>
+              <a:t>на основе анализа выбрать инструментов для разработки приложения.</a:t>
+            </a:r>
+            <a:endParaRPr lang="ru-RU" dirty="0">
+              <a:latin typeface="Times New Roman" panose="02020603050405020304" pitchFamily="18" charset="0"/>
+              <a:cs typeface="Times New Roman" panose="02020603050405020304" pitchFamily="18" charset="0"/>
+            </a:endParaRPr>
+          </a:p>
+          <a:p>
+            <a:pPr marL="342900">
+              <a:spcBef>
+                <a:spcPts val="0"/>
+              </a:spcBef>
+              <a:buSzPts val="2000"/>
+            </a:pPr>
+            <a:endParaRPr lang="ru-RU" b="1" dirty="0">
+              <a:latin typeface="Times New Roman"/>
+              <a:ea typeface="Times New Roman"/>
+              <a:cs typeface="Times New Roman"/>
+              <a:sym typeface="Times New Roman"/>
+            </a:endParaRPr>
+          </a:p>
+          <a:p>
+            <a:pPr marL="0" lvl="0" indent="0" algn="l" rtl="0">
+              <a:lnSpc>
+                <a:spcPct val="94000"/>
+              </a:lnSpc>
+              <a:spcBef>
+                <a:spcPts val="0"/>
+              </a:spcBef>
+              <a:spcAft>
+                <a:spcPts val="0"/>
+              </a:spcAft>
+              <a:buClr>
+                <a:schemeClr val="dk2"/>
+              </a:buClr>
+              <a:buSzPts val="2000"/>
+              <a:buNone/>
+            </a:pPr>
             <a:r>
               <a:rPr lang="ru-RU" dirty="0">
                 <a:latin typeface="Times New Roman"/>
@@ -14895,7 +15026,7 @@
                 <a:cs typeface="Times New Roman"/>
                 <a:sym typeface="Times New Roman"/>
               </a:rPr>
-              <a:t>анализ предметной области, типов БД и СУБД, их преимуществ и недостатков. Далее необходимо выбрать инструменты и среду для разработки на основе анализа проведенного ранее. Потом, с использованием выбранных инструментов, разработка веб-приложения реализующего функционал интернет-магазина.</a:t>
+              <a:t>.</a:t>
             </a:r>
             <a:endParaRPr dirty="0"/>
           </a:p>
@@ -14952,7 +15083,7 @@
   <p:cSld>
     <p:spTree>
       <p:nvGrpSpPr>
-        <p:cNvPr id="1" name="Shape 108"/>
+        <p:cNvPr id="1" name=""/>
         <p:cNvGrpSpPr/>
         <p:nvPr/>
       </p:nvGrpSpPr>
@@ -14966,8 +15097,14 @@
       </p:grpSpPr>
       <p:sp>
         <p:nvSpPr>
-          <p:cNvPr id="109" name="Google Shape;109;p15"/>
-          <p:cNvSpPr txBox="1">
+          <p:cNvPr id="2" name="Заголовок 1">
+            <a:extLst>
+              <a:ext uri="{FF2B5EF4-FFF2-40B4-BE49-F238E27FC236}">
+                <a16:creationId xmlns:a16="http://schemas.microsoft.com/office/drawing/2014/main" id="{9064C253-B3F6-467D-AF53-8D8AEEBA8206}"/>
+              </a:ext>
+            </a:extLst>
+          </p:cNvPr>
+          <p:cNvSpPr>
             <a:spLocks noGrp="1"/>
           </p:cNvSpPr>
           <p:nvPr>
@@ -14976,303 +15113,61 @@
         </p:nvSpPr>
         <p:spPr>
           <a:xfrm>
-            <a:off x="1371600" y="685800"/>
+            <a:off x="1295400" y="0"/>
             <a:ext cx="9601200" cy="1485900"/>
           </a:xfrm>
-          <a:prstGeom prst="rect">
-            <a:avLst/>
-          </a:prstGeom>
-          <a:noFill/>
-          <a:ln>
-            <a:noFill/>
-          </a:ln>
         </p:spPr>
         <p:txBody>
-          <a:bodyPr spcFirstLastPara="1" wrap="square" lIns="91425" tIns="45700" rIns="91425" bIns="45700" anchor="t" anchorCtr="0">
-            <a:normAutofit/>
-          </a:bodyPr>
+          <a:bodyPr/>
           <a:lstStyle/>
           <a:p>
-            <a:pPr marL="0" lvl="0" indent="0" algn="l" rtl="0">
-              <a:lnSpc>
-                <a:spcPct val="89000"/>
-              </a:lnSpc>
-              <a:spcBef>
-                <a:spcPts val="0"/>
-              </a:spcBef>
-              <a:spcAft>
-                <a:spcPts val="0"/>
-              </a:spcAft>
-              <a:buClr>
-                <a:srgbClr val="0C0C0C"/>
-              </a:buClr>
-              <a:buSzPts val="4400"/>
-              <a:buFont typeface="Times New Roman"/>
-              <a:buNone/>
-            </a:pPr>
             <a:r>
-              <a:rPr lang="ru-RU" b="0" cap="none">
-                <a:solidFill>
-                  <a:srgbClr val="0C0C0C"/>
-                </a:solidFill>
-                <a:latin typeface="Times New Roman"/>
-                <a:ea typeface="Times New Roman"/>
-                <a:cs typeface="Times New Roman"/>
-                <a:sym typeface="Times New Roman"/>
+              <a:rPr lang="ru-RU" sz="4400" dirty="0">
+                <a:latin typeface="Times New Roman" panose="02020603050405020304" pitchFamily="18" charset="0"/>
+                <a:cs typeface="Times New Roman" panose="02020603050405020304" pitchFamily="18" charset="0"/>
               </a:rPr>
-              <a:t>Детализация задачи:</a:t>
+              <a:t>Примеры существующих интернет магазинов</a:t>
             </a:r>
-            <a:br>
-              <a:rPr lang="ru-RU" b="0" cap="none">
-                <a:solidFill>
-                  <a:srgbClr val="0C0C0C"/>
-                </a:solidFill>
-                <a:latin typeface="Times New Roman"/>
-                <a:ea typeface="Times New Roman"/>
-                <a:cs typeface="Times New Roman"/>
-                <a:sym typeface="Times New Roman"/>
-              </a:rPr>
-            </a:br>
-            <a:endParaRPr>
-              <a:latin typeface="Times New Roman"/>
-              <a:ea typeface="Times New Roman"/>
-              <a:cs typeface="Times New Roman"/>
-              <a:sym typeface="Times New Roman"/>
-            </a:endParaRPr>
           </a:p>
         </p:txBody>
       </p:sp>
       <p:sp>
         <p:nvSpPr>
-          <p:cNvPr id="110" name="Google Shape;110;p15"/>
-          <p:cNvSpPr txBox="1">
+          <p:cNvPr id="3" name="Текст 2">
+            <a:extLst>
+              <a:ext uri="{FF2B5EF4-FFF2-40B4-BE49-F238E27FC236}">
+                <a16:creationId xmlns:a16="http://schemas.microsoft.com/office/drawing/2014/main" id="{0EA8E7C2-207C-44DE-A8A5-A8E77D2BAF0A}"/>
+              </a:ext>
+            </a:extLst>
+          </p:cNvPr>
+          <p:cNvSpPr>
             <a:spLocks noGrp="1"/>
           </p:cNvSpPr>
           <p:nvPr>
             <p:ph type="body" idx="1"/>
           </p:nvPr>
         </p:nvSpPr>
-        <p:spPr>
-          <a:xfrm>
-            <a:off x="1371600" y="2286000"/>
-            <a:ext cx="9601200" cy="3581400"/>
-          </a:xfrm>
-          <a:prstGeom prst="rect">
-            <a:avLst/>
-          </a:prstGeom>
-          <a:noFill/>
-          <a:ln>
-            <a:noFill/>
-          </a:ln>
-        </p:spPr>
+        <p:spPr/>
         <p:txBody>
-          <a:bodyPr spcFirstLastPara="1" wrap="square" lIns="91425" tIns="45700" rIns="91425" bIns="45700" anchor="t" anchorCtr="0">
-            <a:normAutofit/>
-          </a:bodyPr>
+          <a:bodyPr/>
           <a:lstStyle/>
           <a:p>
-            <a:pPr marL="384048" lvl="0" indent="-384048" algn="l" rtl="0">
-              <a:lnSpc>
-                <a:spcPct val="94000"/>
-              </a:lnSpc>
-              <a:spcBef>
-                <a:spcPts val="0"/>
-              </a:spcBef>
-              <a:spcAft>
-                <a:spcPts val="0"/>
-              </a:spcAft>
-              <a:buClr>
-                <a:schemeClr val="dk1"/>
-              </a:buClr>
-              <a:buSzPts val="2000"/>
-              <a:buChar char="■"/>
+            <a:pPr marL="114300" indent="0">
+              <a:buNone/>
             </a:pPr>
             <a:r>
-              <a:rPr lang="ru-RU" dirty="0">
-                <a:solidFill>
-                  <a:schemeClr val="dk1"/>
-                </a:solidFill>
-                <a:latin typeface="Times New Roman"/>
-                <a:ea typeface="Times New Roman"/>
-                <a:cs typeface="Times New Roman"/>
-                <a:sym typeface="Times New Roman"/>
-              </a:rPr>
-              <a:t>проведен анализ существующих интернет-магазинов</a:t>
+              <a:rPr lang="ru-RU" dirty="0"/>
+              <a:t> ы</a:t>
             </a:r>
-            <a:r>
-              <a:rPr lang="ru-RU" sz="2000" dirty="0">
-                <a:solidFill>
-                  <a:schemeClr val="dk1"/>
-                </a:solidFill>
-                <a:latin typeface="Times New Roman"/>
-                <a:ea typeface="Times New Roman"/>
-                <a:cs typeface="Times New Roman"/>
-                <a:sym typeface="Times New Roman"/>
-              </a:rPr>
-              <a:t>;</a:t>
-            </a:r>
-            <a:endParaRPr dirty="0"/>
-          </a:p>
-          <a:p>
-            <a:pPr marL="384048" lvl="0" indent="-384048" algn="l" rtl="0">
-              <a:lnSpc>
-                <a:spcPct val="94000"/>
-              </a:lnSpc>
-              <a:spcBef>
-                <a:spcPts val="1200"/>
-              </a:spcBef>
-              <a:spcAft>
-                <a:spcPts val="0"/>
-              </a:spcAft>
-              <a:buClr>
-                <a:schemeClr val="dk1"/>
-              </a:buClr>
-              <a:buSzPts val="2000"/>
-              <a:buChar char="■"/>
-            </a:pPr>
-            <a:r>
-              <a:rPr lang="ru-RU" dirty="0">
-                <a:solidFill>
-                  <a:schemeClr val="dk1"/>
-                </a:solidFill>
-                <a:latin typeface="Times New Roman"/>
-                <a:ea typeface="Times New Roman"/>
-                <a:cs typeface="Times New Roman"/>
-                <a:sym typeface="Times New Roman"/>
-              </a:rPr>
-              <a:t>п</a:t>
-            </a:r>
-            <a:r>
-              <a:rPr lang="ru-RU" sz="2000" dirty="0">
-                <a:solidFill>
-                  <a:schemeClr val="dk1"/>
-                </a:solidFill>
-                <a:latin typeface="Times New Roman"/>
-                <a:ea typeface="Times New Roman"/>
-                <a:cs typeface="Times New Roman"/>
-                <a:sym typeface="Times New Roman"/>
-              </a:rPr>
-              <a:t>роведен анализ типов БД  с их преимуществами и недостатками;</a:t>
-            </a:r>
-          </a:p>
-          <a:p>
-            <a:pPr marL="384048" lvl="0" indent="-384048" algn="l" rtl="0">
-              <a:lnSpc>
-                <a:spcPct val="94000"/>
-              </a:lnSpc>
-              <a:spcBef>
-                <a:spcPts val="1200"/>
-              </a:spcBef>
-              <a:spcAft>
-                <a:spcPts val="0"/>
-              </a:spcAft>
-              <a:buClr>
-                <a:schemeClr val="dk1"/>
-              </a:buClr>
-              <a:buSzPts val="2000"/>
-              <a:buChar char="■"/>
-            </a:pPr>
-            <a:r>
-              <a:rPr lang="ru-RU" dirty="0">
-                <a:solidFill>
-                  <a:schemeClr val="dk1"/>
-                </a:solidFill>
-                <a:latin typeface="Times New Roman"/>
-                <a:cs typeface="Times New Roman"/>
-                <a:sym typeface="Times New Roman"/>
-              </a:rPr>
-              <a:t>проведен анализ СУБД, также с учетом их плюсов и минусов;</a:t>
-            </a:r>
-          </a:p>
-          <a:p>
-            <a:pPr marL="384048" lvl="0" indent="-384048" algn="l" rtl="0">
-              <a:lnSpc>
-                <a:spcPct val="94000"/>
-              </a:lnSpc>
-              <a:spcBef>
-                <a:spcPts val="1200"/>
-              </a:spcBef>
-              <a:spcAft>
-                <a:spcPts val="0"/>
-              </a:spcAft>
-              <a:buClr>
-                <a:schemeClr val="dk1"/>
-              </a:buClr>
-              <a:buSzPts val="2000"/>
-              <a:buChar char="■"/>
-            </a:pPr>
-            <a:r>
-              <a:rPr lang="ru-RU" dirty="0">
-                <a:solidFill>
-                  <a:schemeClr val="dk1"/>
-                </a:solidFill>
-                <a:latin typeface="Times New Roman"/>
-                <a:cs typeface="Times New Roman"/>
-                <a:sym typeface="Times New Roman"/>
-              </a:rPr>
-              <a:t>построение </a:t>
-            </a:r>
-            <a:r>
-              <a:rPr lang="en-US" dirty="0">
-                <a:solidFill>
-                  <a:schemeClr val="dk1"/>
-                </a:solidFill>
-                <a:latin typeface="Times New Roman"/>
-                <a:cs typeface="Times New Roman"/>
-                <a:sym typeface="Times New Roman"/>
-              </a:rPr>
-              <a:t>ER </a:t>
-            </a:r>
-            <a:r>
-              <a:rPr lang="ru-RU" dirty="0">
-                <a:solidFill>
-                  <a:schemeClr val="dk1"/>
-                </a:solidFill>
-                <a:latin typeface="Times New Roman"/>
-                <a:cs typeface="Times New Roman"/>
-                <a:sym typeface="Times New Roman"/>
-              </a:rPr>
-              <a:t>диаграммы предметной области;</a:t>
-            </a:r>
-          </a:p>
-          <a:p>
-            <a:pPr marL="384048" lvl="0" indent="-384048" algn="l" rtl="0">
-              <a:lnSpc>
-                <a:spcPct val="94000"/>
-              </a:lnSpc>
-              <a:spcBef>
-                <a:spcPts val="1200"/>
-              </a:spcBef>
-              <a:spcAft>
-                <a:spcPts val="0"/>
-              </a:spcAft>
-              <a:buClr>
-                <a:schemeClr val="dk1"/>
-              </a:buClr>
-              <a:buSzPts val="2000"/>
-              <a:buChar char="■"/>
-            </a:pPr>
-            <a:r>
-              <a:rPr lang="ru-RU" dirty="0">
-                <a:solidFill>
-                  <a:schemeClr val="dk1"/>
-                </a:solidFill>
-                <a:latin typeface="Times New Roman"/>
-                <a:cs typeface="Times New Roman"/>
-                <a:sym typeface="Times New Roman"/>
-              </a:rPr>
-              <a:t>на основе анализа выбор инструментов для разработки приложения;</a:t>
-            </a:r>
-            <a:endParaRPr dirty="0"/>
           </a:p>
         </p:txBody>
       </p:sp>
       <p:sp>
         <p:nvSpPr>
-          <p:cNvPr id="2" name="Номер слайда 1">
+          <p:cNvPr id="4" name="Номер слайда 3">
             <a:extLst>
               <a:ext uri="{FF2B5EF4-FFF2-40B4-BE49-F238E27FC236}">
-                <a16:creationId xmlns:a16="http://schemas.microsoft.com/office/drawing/2014/main" id="{A8223CE9-0008-4585-9B10-9DE46013D4AB}"/>
+                <a16:creationId xmlns:a16="http://schemas.microsoft.com/office/drawing/2014/main" id="{680CCF75-4F60-42DE-85C7-0B93AC7527D4}"/>
               </a:ext>
             </a:extLst>
           </p:cNvPr>
@@ -15305,7 +15200,72 @@
           </a:p>
         </p:txBody>
       </p:sp>
+      <p:pic>
+        <p:nvPicPr>
+          <p:cNvPr id="6" name="Рисунок 5">
+            <a:extLst>
+              <a:ext uri="{FF2B5EF4-FFF2-40B4-BE49-F238E27FC236}">
+                <a16:creationId xmlns:a16="http://schemas.microsoft.com/office/drawing/2014/main" id="{167A54ED-980A-4FEE-9888-49C57C183E50}"/>
+              </a:ext>
+            </a:extLst>
+          </p:cNvPr>
+          <p:cNvPicPr>
+            <a:picLocks noChangeAspect="1"/>
+          </p:cNvPicPr>
+          <p:nvPr/>
+        </p:nvPicPr>
+        <p:blipFill>
+          <a:blip r:embed="rId2"/>
+          <a:stretch>
+            <a:fillRect/>
+          </a:stretch>
+        </p:blipFill>
+        <p:spPr>
+          <a:xfrm>
+            <a:off x="705448" y="1700014"/>
+            <a:ext cx="5686993" cy="4069293"/>
+          </a:xfrm>
+          <a:prstGeom prst="rect">
+            <a:avLst/>
+          </a:prstGeom>
+        </p:spPr>
+      </p:pic>
+      <p:pic>
+        <p:nvPicPr>
+          <p:cNvPr id="8" name="Рисунок 7">
+            <a:extLst>
+              <a:ext uri="{FF2B5EF4-FFF2-40B4-BE49-F238E27FC236}">
+                <a16:creationId xmlns:a16="http://schemas.microsoft.com/office/drawing/2014/main" id="{1A32B164-BD18-4C51-A8E6-85A1D2F922CA}"/>
+              </a:ext>
+            </a:extLst>
+          </p:cNvPr>
+          <p:cNvPicPr>
+            <a:picLocks noChangeAspect="1"/>
+          </p:cNvPicPr>
+          <p:nvPr/>
+        </p:nvPicPr>
+        <p:blipFill>
+          <a:blip r:embed="rId3"/>
+          <a:stretch>
+            <a:fillRect/>
+          </a:stretch>
+        </p:blipFill>
+        <p:spPr>
+          <a:xfrm>
+            <a:off x="6392441" y="1700014"/>
+            <a:ext cx="5747101" cy="4069293"/>
+          </a:xfrm>
+          <a:prstGeom prst="rect">
+            <a:avLst/>
+          </a:prstGeom>
+        </p:spPr>
+      </p:pic>
     </p:spTree>
+    <p:extLst>
+      <p:ext uri="{BB962C8B-B14F-4D97-AF65-F5344CB8AC3E}">
+        <p14:creationId xmlns:p14="http://schemas.microsoft.com/office/powerpoint/2010/main" val="3172232508"/>
+      </p:ext>
+    </p:extLst>
   </p:cSld>
   <p:clrMapOvr>
     <a:masterClrMapping/>
@@ -15590,7 +15550,7 @@
               <a:buNone/>
             </a:pPr>
             <a:r>
-              <a:rPr lang="ru-RU" sz="4400">
+              <a:rPr lang="ru-RU" sz="4400" dirty="0">
                 <a:solidFill>
                   <a:schemeClr val="dk1"/>
                 </a:solidFill>
@@ -15601,7 +15561,7 @@
               </a:rPr>
               <a:t>Диаграмма прецендентов пользователя</a:t>
             </a:r>
-            <a:endParaRPr>
+            <a:endParaRPr dirty="0">
               <a:latin typeface="Times New Roman"/>
               <a:ea typeface="Times New Roman"/>
               <a:cs typeface="Times New Roman"/>
@@ -15803,7 +15763,7 @@
               <a:buNone/>
             </a:pPr>
             <a:r>
-              <a:rPr lang="ru-RU">
+              <a:rPr lang="ru-RU" dirty="0">
                 <a:solidFill>
                   <a:schemeClr val="dk1"/>
                 </a:solidFill>
@@ -15814,7 +15774,7 @@
               </a:rPr>
               <a:t>Схема базы данных</a:t>
             </a:r>
-            <a:endParaRPr>
+            <a:endParaRPr dirty="0">
               <a:latin typeface="Times New Roman"/>
               <a:ea typeface="Times New Roman"/>
               <a:cs typeface="Times New Roman"/>

--- a/Kursach_DB/otchet LaTeX/финалочка/Prezentacia_Nechitaylo_IU7-66B (1).pptx
+++ b/Kursach_DB/otchet LaTeX/финалочка/Prezentacia_Nechitaylo_IU7-66B (1).pptx
@@ -14981,7 +14981,29 @@
                 <a:cs typeface="Times New Roman" panose="02020603050405020304" pitchFamily="18" charset="0"/>
                 <a:sym typeface="Times New Roman"/>
               </a:rPr>
-              <a:t>на основе анализа выбрать инструментов для разработки приложения.</a:t>
+              <a:t>на основе </a:t>
+            </a:r>
+            <a:r>
+              <a:rPr lang="ru-RU">
+                <a:solidFill>
+                  <a:schemeClr val="dk1"/>
+                </a:solidFill>
+                <a:latin typeface="Times New Roman" panose="02020603050405020304" pitchFamily="18" charset="0"/>
+                <a:cs typeface="Times New Roman" panose="02020603050405020304" pitchFamily="18" charset="0"/>
+                <a:sym typeface="Times New Roman"/>
+              </a:rPr>
+              <a:t>анализа выбор </a:t>
+            </a:r>
+            <a:r>
+              <a:rPr lang="ru-RU" dirty="0">
+                <a:solidFill>
+                  <a:schemeClr val="dk1"/>
+                </a:solidFill>
+                <a:latin typeface="Times New Roman" panose="02020603050405020304" pitchFamily="18" charset="0"/>
+                <a:cs typeface="Times New Roman" panose="02020603050405020304" pitchFamily="18" charset="0"/>
+                <a:sym typeface="Times New Roman"/>
+              </a:rPr>
+              <a:t>инструментов для разработки приложения.</a:t>
             </a:r>
             <a:endParaRPr lang="ru-RU" dirty="0">
               <a:latin typeface="Times New Roman" panose="02020603050405020304" pitchFamily="18" charset="0"/>
